--- a/_book/plot/pro-survey-q6-pie-1.pptx
+++ b/_book/plot/pro-survey-q6-pie-1.pptx
@@ -3158,134 +3158,134 @@
           <p:spPr>
             <a:xfrm>
               <a:off x="5025569" y="1973107"/>
-              <a:ext cx="739455" cy="1808317"/>
+              <a:ext cx="729695" cy="1808317"/>
             </a:xfrm>
             <a:custGeom>
               <a:avLst/>
               <a:pathLst>
-                <a:path w="739455" h="1808317">
+                <a:path w="729695" h="1808317">
                   <a:moveTo>
                     <a:pt x="0" y="1808317"/>
                   </a:moveTo>
                   <a:lnTo>
-                    <a:pt x="25498" y="1751413"/>
-                  </a:lnTo>
-                  <a:lnTo>
-                    <a:pt x="50996" y="1694509"/>
-                  </a:lnTo>
-                  <a:lnTo>
-                    <a:pt x="76495" y="1637605"/>
-                  </a:lnTo>
-                  <a:lnTo>
-                    <a:pt x="101993" y="1580701"/>
-                  </a:lnTo>
-                  <a:lnTo>
-                    <a:pt x="127492" y="1523797"/>
-                  </a:lnTo>
-                  <a:lnTo>
-                    <a:pt x="152990" y="1466893"/>
-                  </a:lnTo>
-                  <a:lnTo>
-                    <a:pt x="178489" y="1409989"/>
-                  </a:lnTo>
-                  <a:lnTo>
-                    <a:pt x="203987" y="1353085"/>
-                  </a:lnTo>
-                  <a:lnTo>
-                    <a:pt x="229486" y="1296180"/>
-                  </a:lnTo>
-                  <a:lnTo>
-                    <a:pt x="254984" y="1239276"/>
-                  </a:lnTo>
-                  <a:lnTo>
-                    <a:pt x="280483" y="1182372"/>
-                  </a:lnTo>
-                  <a:lnTo>
-                    <a:pt x="305981" y="1125468"/>
-                  </a:lnTo>
-                  <a:lnTo>
-                    <a:pt x="331480" y="1068564"/>
-                  </a:lnTo>
-                  <a:lnTo>
-                    <a:pt x="356978" y="1011660"/>
-                  </a:lnTo>
-                  <a:lnTo>
-                    <a:pt x="382476" y="954756"/>
-                  </a:lnTo>
-                  <a:lnTo>
-                    <a:pt x="407975" y="897852"/>
-                  </a:lnTo>
-                  <a:lnTo>
-                    <a:pt x="433473" y="840948"/>
-                  </a:lnTo>
-                  <a:lnTo>
-                    <a:pt x="458972" y="784044"/>
-                  </a:lnTo>
-                  <a:lnTo>
-                    <a:pt x="484470" y="727140"/>
-                  </a:lnTo>
-                  <a:lnTo>
-                    <a:pt x="509969" y="670236"/>
-                  </a:lnTo>
-                  <a:lnTo>
-                    <a:pt x="535467" y="613332"/>
-                  </a:lnTo>
-                  <a:lnTo>
-                    <a:pt x="560966" y="556428"/>
-                  </a:lnTo>
-                  <a:lnTo>
-                    <a:pt x="586464" y="499524"/>
-                  </a:lnTo>
-                  <a:lnTo>
-                    <a:pt x="611963" y="442620"/>
-                  </a:lnTo>
-                  <a:lnTo>
-                    <a:pt x="637461" y="385716"/>
-                  </a:lnTo>
-                  <a:lnTo>
-                    <a:pt x="662960" y="328812"/>
-                  </a:lnTo>
-                  <a:lnTo>
-                    <a:pt x="688458" y="271908"/>
-                  </a:lnTo>
-                  <a:lnTo>
-                    <a:pt x="713956" y="215004"/>
-                  </a:lnTo>
-                  <a:lnTo>
-                    <a:pt x="739455" y="158099"/>
-                  </a:lnTo>
-                  <a:lnTo>
-                    <a:pt x="681079" y="133162"/>
-                  </a:lnTo>
-                  <a:lnTo>
-                    <a:pt x="621864" y="110290"/>
-                  </a:lnTo>
-                  <a:lnTo>
-                    <a:pt x="561882" y="89509"/>
-                  </a:lnTo>
-                  <a:lnTo>
-                    <a:pt x="501209" y="70847"/>
-                  </a:lnTo>
-                  <a:lnTo>
-                    <a:pt x="439917" y="54326"/>
-                  </a:lnTo>
-                  <a:lnTo>
-                    <a:pt x="378083" y="39966"/>
-                  </a:lnTo>
-                  <a:lnTo>
-                    <a:pt x="315784" y="27786"/>
-                  </a:lnTo>
-                  <a:lnTo>
-                    <a:pt x="253095" y="17799"/>
-                  </a:lnTo>
-                  <a:lnTo>
-                    <a:pt x="190095" y="10019"/>
-                  </a:lnTo>
-                  <a:lnTo>
-                    <a:pt x="126860" y="4455"/>
-                  </a:lnTo>
-                  <a:lnTo>
-                    <a:pt x="63469" y="1114"/>
+                    <a:pt x="25161" y="1751263"/>
+                  </a:lnTo>
+                  <a:lnTo>
+                    <a:pt x="50323" y="1694210"/>
+                  </a:lnTo>
+                  <a:lnTo>
+                    <a:pt x="75485" y="1637156"/>
+                  </a:lnTo>
+                  <a:lnTo>
+                    <a:pt x="100647" y="1580102"/>
+                  </a:lnTo>
+                  <a:lnTo>
+                    <a:pt x="125809" y="1523049"/>
+                  </a:lnTo>
+                  <a:lnTo>
+                    <a:pt x="150971" y="1465995"/>
+                  </a:lnTo>
+                  <a:lnTo>
+                    <a:pt x="176133" y="1408941"/>
+                  </a:lnTo>
+                  <a:lnTo>
+                    <a:pt x="201295" y="1351888"/>
+                  </a:lnTo>
+                  <a:lnTo>
+                    <a:pt x="226457" y="1294834"/>
+                  </a:lnTo>
+                  <a:lnTo>
+                    <a:pt x="251619" y="1237780"/>
+                  </a:lnTo>
+                  <a:lnTo>
+                    <a:pt x="276781" y="1180727"/>
+                  </a:lnTo>
+                  <a:lnTo>
+                    <a:pt x="301942" y="1123673"/>
+                  </a:lnTo>
+                  <a:lnTo>
+                    <a:pt x="327104" y="1066619"/>
+                  </a:lnTo>
+                  <a:lnTo>
+                    <a:pt x="352266" y="1009566"/>
+                  </a:lnTo>
+                  <a:lnTo>
+                    <a:pt x="377428" y="952512"/>
+                  </a:lnTo>
+                  <a:lnTo>
+                    <a:pt x="402590" y="895458"/>
+                  </a:lnTo>
+                  <a:lnTo>
+                    <a:pt x="427752" y="838405"/>
+                  </a:lnTo>
+                  <a:lnTo>
+                    <a:pt x="452914" y="781351"/>
+                  </a:lnTo>
+                  <a:lnTo>
+                    <a:pt x="478076" y="724297"/>
+                  </a:lnTo>
+                  <a:lnTo>
+                    <a:pt x="503238" y="667244"/>
+                  </a:lnTo>
+                  <a:lnTo>
+                    <a:pt x="528400" y="610190"/>
+                  </a:lnTo>
+                  <a:lnTo>
+                    <a:pt x="553562" y="553136"/>
+                  </a:lnTo>
+                  <a:lnTo>
+                    <a:pt x="578724" y="496083"/>
+                  </a:lnTo>
+                  <a:lnTo>
+                    <a:pt x="603885" y="439029"/>
+                  </a:lnTo>
+                  <a:lnTo>
+                    <a:pt x="629047" y="381975"/>
+                  </a:lnTo>
+                  <a:lnTo>
+                    <a:pt x="654209" y="324922"/>
+                  </a:lnTo>
+                  <a:lnTo>
+                    <a:pt x="679371" y="267868"/>
+                  </a:lnTo>
+                  <a:lnTo>
+                    <a:pt x="704533" y="210814"/>
+                  </a:lnTo>
+                  <a:lnTo>
+                    <a:pt x="729695" y="153761"/>
+                  </a:lnTo>
+                  <a:lnTo>
+                    <a:pt x="671999" y="129499"/>
+                  </a:lnTo>
+                  <a:lnTo>
+                    <a:pt x="613499" y="107249"/>
+                  </a:lnTo>
+                  <a:lnTo>
+                    <a:pt x="554263" y="87037"/>
+                  </a:lnTo>
+                  <a:lnTo>
+                    <a:pt x="494363" y="68887"/>
+                  </a:lnTo>
+                  <a:lnTo>
+                    <a:pt x="433871" y="52821"/>
+                  </a:lnTo>
+                  <a:lnTo>
+                    <a:pt x="372859" y="38857"/>
+                  </a:lnTo>
+                  <a:lnTo>
+                    <a:pt x="311401" y="27014"/>
+                  </a:lnTo>
+                  <a:lnTo>
+                    <a:pt x="249570" y="17304"/>
+                  </a:lnTo>
+                  <a:lnTo>
+                    <a:pt x="187439" y="9740"/>
+                  </a:lnTo>
+                  <a:lnTo>
+                    <a:pt x="125084" y="4331"/>
+                  </a:lnTo>
+                  <a:lnTo>
+                    <a:pt x="62579" y="1083"/>
                   </a:lnTo>
                   <a:lnTo>
                     <a:pt x="0" y="0"/>
@@ -3407,705 +3407,705 @@
           </p:nvSpPr>
           <p:spPr>
             <a:xfrm>
-              <a:off x="3217385" y="1973107"/>
-              <a:ext cx="3616495" cy="3616551"/>
+              <a:off x="3217353" y="1973107"/>
+              <a:ext cx="3616529" cy="3616487"/>
             </a:xfrm>
             <a:custGeom>
               <a:avLst/>
               <a:pathLst>
-                <a:path w="3616495" h="3616551">
+                <a:path w="3616529" h="3616487">
                   <a:moveTo>
-                    <a:pt x="1808184" y="1808317"/>
+                    <a:pt x="1808216" y="1808317"/>
                   </a:moveTo>
                   <a:lnTo>
-                    <a:pt x="1808184" y="1745961"/>
-                  </a:lnTo>
-                  <a:lnTo>
-                    <a:pt x="1808184" y="1683605"/>
-                  </a:lnTo>
-                  <a:lnTo>
-                    <a:pt x="1808184" y="1621250"/>
-                  </a:lnTo>
-                  <a:lnTo>
-                    <a:pt x="1808184" y="1558894"/>
-                  </a:lnTo>
-                  <a:lnTo>
-                    <a:pt x="1808184" y="1496538"/>
-                  </a:lnTo>
-                  <a:lnTo>
-                    <a:pt x="1808184" y="1434182"/>
-                  </a:lnTo>
-                  <a:lnTo>
-                    <a:pt x="1808184" y="1371827"/>
-                  </a:lnTo>
-                  <a:lnTo>
-                    <a:pt x="1808184" y="1309471"/>
-                  </a:lnTo>
-                  <a:lnTo>
-                    <a:pt x="1808184" y="1247115"/>
-                  </a:lnTo>
-                  <a:lnTo>
-                    <a:pt x="1808184" y="1184759"/>
-                  </a:lnTo>
-                  <a:lnTo>
-                    <a:pt x="1808184" y="1122403"/>
-                  </a:lnTo>
-                  <a:lnTo>
-                    <a:pt x="1808184" y="1060048"/>
-                  </a:lnTo>
-                  <a:lnTo>
-                    <a:pt x="1808184" y="997692"/>
-                  </a:lnTo>
-                  <a:lnTo>
-                    <a:pt x="1808184" y="935336"/>
-                  </a:lnTo>
-                  <a:lnTo>
-                    <a:pt x="1808184" y="872980"/>
-                  </a:lnTo>
-                  <a:lnTo>
-                    <a:pt x="1808184" y="810625"/>
-                  </a:lnTo>
-                  <a:lnTo>
-                    <a:pt x="1808184" y="748269"/>
-                  </a:lnTo>
-                  <a:lnTo>
-                    <a:pt x="1808184" y="685913"/>
-                  </a:lnTo>
-                  <a:lnTo>
-                    <a:pt x="1808184" y="623557"/>
-                  </a:lnTo>
-                  <a:lnTo>
-                    <a:pt x="1808184" y="561201"/>
-                  </a:lnTo>
-                  <a:lnTo>
-                    <a:pt x="1808184" y="498846"/>
-                  </a:lnTo>
-                  <a:lnTo>
-                    <a:pt x="1808184" y="436490"/>
-                  </a:lnTo>
-                  <a:lnTo>
-                    <a:pt x="1808184" y="374134"/>
-                  </a:lnTo>
-                  <a:lnTo>
-                    <a:pt x="1808184" y="311778"/>
-                  </a:lnTo>
-                  <a:lnTo>
-                    <a:pt x="1808184" y="249423"/>
-                  </a:lnTo>
-                  <a:lnTo>
-                    <a:pt x="1808184" y="187067"/>
-                  </a:lnTo>
-                  <a:lnTo>
-                    <a:pt x="1808184" y="124711"/>
-                  </a:lnTo>
-                  <a:lnTo>
-                    <a:pt x="1808184" y="62355"/>
-                  </a:lnTo>
-                  <a:lnTo>
-                    <a:pt x="1808184" y="0"/>
-                  </a:lnTo>
-                  <a:lnTo>
-                    <a:pt x="1746923" y="1037"/>
-                  </a:lnTo>
-                  <a:lnTo>
-                    <a:pt x="1685732" y="4150"/>
-                  </a:lnTo>
-                  <a:lnTo>
-                    <a:pt x="1624682" y="9334"/>
-                  </a:lnTo>
-                  <a:lnTo>
-                    <a:pt x="1563842" y="16583"/>
-                  </a:lnTo>
-                  <a:lnTo>
-                    <a:pt x="1503283" y="25890"/>
-                  </a:lnTo>
-                  <a:lnTo>
-                    <a:pt x="1443074" y="37242"/>
-                  </a:lnTo>
-                  <a:lnTo>
-                    <a:pt x="1383284" y="50627"/>
-                  </a:lnTo>
-                  <a:lnTo>
-                    <a:pt x="1323982" y="66031"/>
-                  </a:lnTo>
-                  <a:lnTo>
-                    <a:pt x="1265236" y="83435"/>
-                  </a:lnTo>
-                  <a:lnTo>
-                    <a:pt x="1207113" y="102818"/>
-                  </a:lnTo>
-                  <a:lnTo>
-                    <a:pt x="1149680" y="124160"/>
-                  </a:lnTo>
-                  <a:lnTo>
-                    <a:pt x="1093003" y="147435"/>
-                  </a:lnTo>
-                  <a:lnTo>
-                    <a:pt x="1037147" y="172617"/>
-                  </a:lnTo>
-                  <a:lnTo>
-                    <a:pt x="982176" y="199677"/>
-                  </a:lnTo>
-                  <a:lnTo>
-                    <a:pt x="928154" y="228583"/>
-                  </a:lnTo>
-                  <a:lnTo>
-                    <a:pt x="875142" y="259303"/>
-                  </a:lnTo>
-                  <a:lnTo>
-                    <a:pt x="823201" y="291801"/>
-                  </a:lnTo>
-                  <a:lnTo>
-                    <a:pt x="772390" y="326040"/>
-                  </a:lnTo>
-                  <a:lnTo>
-                    <a:pt x="722769" y="361981"/>
-                  </a:lnTo>
-                  <a:lnTo>
-                    <a:pt x="674394" y="399582"/>
-                  </a:lnTo>
-                  <a:lnTo>
-                    <a:pt x="627321" y="438801"/>
-                  </a:lnTo>
-                  <a:lnTo>
-                    <a:pt x="581603" y="479592"/>
-                  </a:lnTo>
-                  <a:lnTo>
-                    <a:pt x="537293" y="521908"/>
-                  </a:lnTo>
-                  <a:lnTo>
-                    <a:pt x="494442" y="565701"/>
-                  </a:lnTo>
-                  <a:lnTo>
-                    <a:pt x="453100" y="610920"/>
-                  </a:lnTo>
-                  <a:lnTo>
-                    <a:pt x="413313" y="657514"/>
-                  </a:lnTo>
-                  <a:lnTo>
-                    <a:pt x="375127" y="705429"/>
-                  </a:lnTo>
-                  <a:lnTo>
-                    <a:pt x="338587" y="754611"/>
-                  </a:lnTo>
-                  <a:lnTo>
-                    <a:pt x="303734" y="805002"/>
-                  </a:lnTo>
-                  <a:lnTo>
-                    <a:pt x="270607" y="856544"/>
-                  </a:lnTo>
-                  <a:lnTo>
-                    <a:pt x="239246" y="909180"/>
-                  </a:lnTo>
-                  <a:lnTo>
-                    <a:pt x="209687" y="962848"/>
-                  </a:lnTo>
-                  <a:lnTo>
-                    <a:pt x="181962" y="1017486"/>
-                  </a:lnTo>
-                  <a:lnTo>
-                    <a:pt x="156104" y="1073032"/>
-                  </a:lnTo>
-                  <a:lnTo>
-                    <a:pt x="132143" y="1129422"/>
-                  </a:lnTo>
-                  <a:lnTo>
-                    <a:pt x="110105" y="1186592"/>
-                  </a:lnTo>
-                  <a:lnTo>
-                    <a:pt x="90018" y="1244475"/>
-                  </a:lnTo>
-                  <a:lnTo>
-                    <a:pt x="71902" y="1303006"/>
-                  </a:lnTo>
-                  <a:lnTo>
-                    <a:pt x="55780" y="1362117"/>
-                  </a:lnTo>
-                  <a:lnTo>
-                    <a:pt x="41670" y="1421740"/>
-                  </a:lnTo>
-                  <a:lnTo>
-                    <a:pt x="29588" y="1481807"/>
-                  </a:lnTo>
-                  <a:lnTo>
-                    <a:pt x="19548" y="1542248"/>
-                  </a:lnTo>
-                  <a:lnTo>
-                    <a:pt x="11561" y="1602995"/>
-                  </a:lnTo>
-                  <a:lnTo>
-                    <a:pt x="5636" y="1663978"/>
-                  </a:lnTo>
-                  <a:lnTo>
-                    <a:pt x="1781" y="1725127"/>
-                  </a:lnTo>
-                  <a:lnTo>
-                    <a:pt x="0" y="1786371"/>
-                  </a:lnTo>
-                  <a:lnTo>
-                    <a:pt x="294" y="1847640"/>
-                  </a:lnTo>
-                  <a:lnTo>
-                    <a:pt x="2664" y="1908864"/>
-                  </a:lnTo>
-                  <a:lnTo>
-                    <a:pt x="7106" y="1969973"/>
-                  </a:lnTo>
-                  <a:lnTo>
-                    <a:pt x="13617" y="2030896"/>
-                  </a:lnTo>
-                  <a:lnTo>
-                    <a:pt x="22187" y="2091563"/>
-                  </a:lnTo>
-                  <a:lnTo>
-                    <a:pt x="32808" y="2151906"/>
-                  </a:lnTo>
-                  <a:lnTo>
-                    <a:pt x="45467" y="2211854"/>
-                  </a:lnTo>
-                  <a:lnTo>
-                    <a:pt x="60150" y="2271338"/>
-                  </a:lnTo>
-                  <a:lnTo>
-                    <a:pt x="76839" y="2330291"/>
-                  </a:lnTo>
-                  <a:lnTo>
-                    <a:pt x="95516" y="2388645"/>
-                  </a:lnTo>
-                  <a:lnTo>
-                    <a:pt x="116159" y="2446333"/>
-                  </a:lnTo>
-                  <a:lnTo>
-                    <a:pt x="138745" y="2503288"/>
-                  </a:lnTo>
-                  <a:lnTo>
-                    <a:pt x="163247" y="2559446"/>
-                  </a:lnTo>
-                  <a:lnTo>
-                    <a:pt x="189637" y="2614741"/>
-                  </a:lnTo>
-                  <a:lnTo>
-                    <a:pt x="217886" y="2669110"/>
-                  </a:lnTo>
-                  <a:lnTo>
-                    <a:pt x="247960" y="2722491"/>
-                  </a:lnTo>
-                  <a:lnTo>
-                    <a:pt x="279826" y="2774823"/>
-                  </a:lnTo>
-                  <a:lnTo>
-                    <a:pt x="313446" y="2826045"/>
-                  </a:lnTo>
-                  <a:lnTo>
-                    <a:pt x="348782" y="2876098"/>
-                  </a:lnTo>
-                  <a:lnTo>
-                    <a:pt x="385793" y="2924926"/>
-                  </a:lnTo>
-                  <a:lnTo>
-                    <a:pt x="424437" y="2972472"/>
-                  </a:lnTo>
-                  <a:lnTo>
-                    <a:pt x="464670" y="3018682"/>
-                  </a:lnTo>
-                  <a:lnTo>
-                    <a:pt x="506445" y="3063502"/>
-                  </a:lnTo>
-                  <a:lnTo>
-                    <a:pt x="549715" y="3106881"/>
-                  </a:lnTo>
-                  <a:lnTo>
-                    <a:pt x="594429" y="3148769"/>
-                  </a:lnTo>
-                  <a:lnTo>
-                    <a:pt x="640537" y="3189119"/>
-                  </a:lnTo>
-                  <a:lnTo>
-                    <a:pt x="687985" y="3227883"/>
-                  </a:lnTo>
-                  <a:lnTo>
-                    <a:pt x="736720" y="3265018"/>
-                  </a:lnTo>
-                  <a:lnTo>
-                    <a:pt x="786684" y="3300480"/>
-                  </a:lnTo>
-                  <a:lnTo>
-                    <a:pt x="837821" y="3334229"/>
-                  </a:lnTo>
-                  <a:lnTo>
-                    <a:pt x="890072" y="3366227"/>
-                  </a:lnTo>
-                  <a:lnTo>
-                    <a:pt x="943377" y="3396436"/>
-                  </a:lnTo>
-                  <a:lnTo>
-                    <a:pt x="997675" y="3424821"/>
-                  </a:lnTo>
-                  <a:lnTo>
-                    <a:pt x="1052903" y="3451352"/>
-                  </a:lnTo>
-                  <a:lnTo>
-                    <a:pt x="1108998" y="3475995"/>
-                  </a:lnTo>
-                  <a:lnTo>
-                    <a:pt x="1165896" y="3498725"/>
-                  </a:lnTo>
-                  <a:lnTo>
-                    <a:pt x="1223531" y="3519514"/>
-                  </a:lnTo>
-                  <a:lnTo>
-                    <a:pt x="1281838" y="3538338"/>
-                  </a:lnTo>
-                  <a:lnTo>
-                    <a:pt x="1340749" y="3555176"/>
-                  </a:lnTo>
-                  <a:lnTo>
-                    <a:pt x="1400196" y="3570009"/>
-                  </a:lnTo>
-                  <a:lnTo>
-                    <a:pt x="1460112" y="3582819"/>
-                  </a:lnTo>
-                  <a:lnTo>
-                    <a:pt x="1520427" y="3593592"/>
-                  </a:lnTo>
-                  <a:lnTo>
-                    <a:pt x="1581073" y="3602316"/>
-                  </a:lnTo>
-                  <a:lnTo>
-                    <a:pt x="1641979" y="3608980"/>
-                  </a:lnTo>
-                  <a:lnTo>
-                    <a:pt x="1703077" y="3613577"/>
-                  </a:lnTo>
-                  <a:lnTo>
-                    <a:pt x="1764295" y="3616102"/>
-                  </a:lnTo>
-                  <a:lnTo>
-                    <a:pt x="1825563" y="3616551"/>
-                  </a:lnTo>
-                  <a:lnTo>
-                    <a:pt x="1886811" y="3614924"/>
-                  </a:lnTo>
-                  <a:lnTo>
-                    <a:pt x="1947969" y="3611223"/>
-                  </a:lnTo>
-                  <a:lnTo>
-                    <a:pt x="2008967" y="3605453"/>
-                  </a:lnTo>
-                  <a:lnTo>
-                    <a:pt x="2069734" y="3597619"/>
-                  </a:lnTo>
-                  <a:lnTo>
-                    <a:pt x="2130201" y="3587732"/>
-                  </a:lnTo>
-                  <a:lnTo>
-                    <a:pt x="2190298" y="3575801"/>
-                  </a:lnTo>
-                  <a:lnTo>
-                    <a:pt x="2249956" y="3561842"/>
-                  </a:lnTo>
-                  <a:lnTo>
-                    <a:pt x="2309108" y="3545869"/>
-                  </a:lnTo>
-                  <a:lnTo>
-                    <a:pt x="2367684" y="3527902"/>
-                  </a:lnTo>
-                  <a:lnTo>
-                    <a:pt x="2425618" y="3507960"/>
-                  </a:lnTo>
-                  <a:lnTo>
-                    <a:pt x="2482843" y="3486067"/>
-                  </a:lnTo>
-                  <a:lnTo>
-                    <a:pt x="2539294" y="3462249"/>
-                  </a:lnTo>
-                  <a:lnTo>
-                    <a:pt x="2594905" y="3436531"/>
-                  </a:lnTo>
-                  <a:lnTo>
-                    <a:pt x="2649613" y="3408945"/>
-                  </a:lnTo>
-                  <a:lnTo>
-                    <a:pt x="2703355" y="3379520"/>
-                  </a:lnTo>
-                  <a:lnTo>
-                    <a:pt x="2756070" y="3348292"/>
-                  </a:lnTo>
-                  <a:lnTo>
-                    <a:pt x="2807696" y="3315296"/>
-                  </a:lnTo>
-                  <a:lnTo>
-                    <a:pt x="2858175" y="3280571"/>
-                  </a:lnTo>
-                  <a:lnTo>
-                    <a:pt x="2907448" y="3244154"/>
-                  </a:lnTo>
-                  <a:lnTo>
-                    <a:pt x="2955460" y="3206090"/>
-                  </a:lnTo>
-                  <a:lnTo>
-                    <a:pt x="3002154" y="3166421"/>
-                  </a:lnTo>
-                  <a:lnTo>
-                    <a:pt x="3047478" y="3125193"/>
-                  </a:lnTo>
-                  <a:lnTo>
-                    <a:pt x="3091379" y="3082453"/>
-                  </a:lnTo>
-                  <a:lnTo>
-                    <a:pt x="3133807" y="3038250"/>
-                  </a:lnTo>
-                  <a:lnTo>
-                    <a:pt x="3174713" y="2992635"/>
-                  </a:lnTo>
-                  <a:lnTo>
-                    <a:pt x="3214050" y="2945661"/>
-                  </a:lnTo>
-                  <a:lnTo>
-                    <a:pt x="3251773" y="2897381"/>
-                  </a:lnTo>
-                  <a:lnTo>
-                    <a:pt x="3287840" y="2847851"/>
-                  </a:lnTo>
-                  <a:lnTo>
-                    <a:pt x="3322207" y="2797127"/>
-                  </a:lnTo>
-                  <a:lnTo>
-                    <a:pt x="3354836" y="2745268"/>
-                  </a:lnTo>
-                  <a:lnTo>
-                    <a:pt x="3385690" y="2692334"/>
-                  </a:lnTo>
-                  <a:lnTo>
-                    <a:pt x="3414733" y="2638385"/>
-                  </a:lnTo>
-                  <a:lnTo>
-                    <a:pt x="3441931" y="2583483"/>
-                  </a:lnTo>
-                  <a:lnTo>
-                    <a:pt x="3467254" y="2527690"/>
-                  </a:lnTo>
-                  <a:lnTo>
-                    <a:pt x="3490672" y="2471072"/>
-                  </a:lnTo>
-                  <a:lnTo>
-                    <a:pt x="3512159" y="2413694"/>
-                  </a:lnTo>
-                  <a:lnTo>
-                    <a:pt x="3531689" y="2355620"/>
-                  </a:lnTo>
-                  <a:lnTo>
-                    <a:pt x="3549241" y="2296918"/>
-                  </a:lnTo>
-                  <a:lnTo>
-                    <a:pt x="3564794" y="2237655"/>
-                  </a:lnTo>
-                  <a:lnTo>
-                    <a:pt x="3578331" y="2177899"/>
-                  </a:lnTo>
-                  <a:lnTo>
-                    <a:pt x="3589835" y="2117719"/>
-                  </a:lnTo>
-                  <a:lnTo>
-                    <a:pt x="3599294" y="2057183"/>
-                  </a:lnTo>
-                  <a:lnTo>
-                    <a:pt x="3606697" y="1996362"/>
-                  </a:lnTo>
-                  <a:lnTo>
-                    <a:pt x="3612035" y="1935325"/>
-                  </a:lnTo>
-                  <a:lnTo>
-                    <a:pt x="3615303" y="1874143"/>
-                  </a:lnTo>
-                  <a:lnTo>
-                    <a:pt x="3616495" y="1812884"/>
-                  </a:lnTo>
-                  <a:lnTo>
-                    <a:pt x="3615612" y="1751621"/>
-                  </a:lnTo>
-                  <a:lnTo>
-                    <a:pt x="3612654" y="1690422"/>
-                  </a:lnTo>
-                  <a:lnTo>
-                    <a:pt x="3607624" y="1629359"/>
-                  </a:lnTo>
-                  <a:lnTo>
-                    <a:pt x="3600529" y="1568501"/>
-                  </a:lnTo>
-                  <a:lnTo>
-                    <a:pt x="3591376" y="1507919"/>
-                  </a:lnTo>
-                  <a:lnTo>
-                    <a:pt x="3580175" y="1447682"/>
-                  </a:lnTo>
-                  <a:lnTo>
-                    <a:pt x="3566941" y="1387858"/>
-                  </a:lnTo>
-                  <a:lnTo>
-                    <a:pt x="3551687" y="1328517"/>
-                  </a:lnTo>
-                  <a:lnTo>
-                    <a:pt x="3534432" y="1269727"/>
-                  </a:lnTo>
-                  <a:lnTo>
-                    <a:pt x="3515195" y="1211556"/>
-                  </a:lnTo>
-                  <a:lnTo>
-                    <a:pt x="3493999" y="1154069"/>
-                  </a:lnTo>
-                  <a:lnTo>
-                    <a:pt x="3470867" y="1097333"/>
-                  </a:lnTo>
-                  <a:lnTo>
-                    <a:pt x="3445826" y="1041414"/>
-                  </a:lnTo>
-                  <a:lnTo>
-                    <a:pt x="3418905" y="986375"/>
-                  </a:lnTo>
-                  <a:lnTo>
-                    <a:pt x="3390135" y="932280"/>
-                  </a:lnTo>
-                  <a:lnTo>
-                    <a:pt x="3359550" y="879190"/>
-                  </a:lnTo>
-                  <a:lnTo>
-                    <a:pt x="3327183" y="827167"/>
-                  </a:lnTo>
-                  <a:lnTo>
-                    <a:pt x="3293072" y="776271"/>
-                  </a:lnTo>
-                  <a:lnTo>
-                    <a:pt x="3257256" y="726559"/>
-                  </a:lnTo>
-                  <a:lnTo>
-                    <a:pt x="3219778" y="678089"/>
-                  </a:lnTo>
-                  <a:lnTo>
-                    <a:pt x="3180678" y="630917"/>
-                  </a:lnTo>
-                  <a:lnTo>
-                    <a:pt x="3140003" y="585096"/>
-                  </a:lnTo>
-                  <a:lnTo>
-                    <a:pt x="3097799" y="540679"/>
-                  </a:lnTo>
-                  <a:lnTo>
-                    <a:pt x="3054114" y="497718"/>
-                  </a:lnTo>
-                  <a:lnTo>
-                    <a:pt x="3008999" y="456262"/>
-                  </a:lnTo>
-                  <a:lnTo>
-                    <a:pt x="2962506" y="416357"/>
-                  </a:lnTo>
-                  <a:lnTo>
-                    <a:pt x="2914687" y="378051"/>
-                  </a:lnTo>
-                  <a:lnTo>
-                    <a:pt x="2865599" y="341386"/>
-                  </a:lnTo>
-                  <a:lnTo>
-                    <a:pt x="2815296" y="306406"/>
-                  </a:lnTo>
-                  <a:lnTo>
-                    <a:pt x="2763837" y="273149"/>
-                  </a:lnTo>
-                  <a:lnTo>
-                    <a:pt x="2711281" y="241656"/>
-                  </a:lnTo>
-                  <a:lnTo>
-                    <a:pt x="2657688" y="211960"/>
-                  </a:lnTo>
-                  <a:lnTo>
-                    <a:pt x="2603120" y="184098"/>
-                  </a:lnTo>
-                  <a:lnTo>
-                    <a:pt x="2547639" y="158099"/>
-                  </a:lnTo>
-                  <a:lnTo>
-                    <a:pt x="2522141" y="215004"/>
-                  </a:lnTo>
-                  <a:lnTo>
-                    <a:pt x="2496642" y="271908"/>
-                  </a:lnTo>
-                  <a:lnTo>
-                    <a:pt x="2471144" y="328812"/>
-                  </a:lnTo>
-                  <a:lnTo>
-                    <a:pt x="2445645" y="385716"/>
-                  </a:lnTo>
-                  <a:lnTo>
-                    <a:pt x="2420147" y="442620"/>
-                  </a:lnTo>
-                  <a:lnTo>
-                    <a:pt x="2394648" y="499524"/>
-                  </a:lnTo>
-                  <a:lnTo>
-                    <a:pt x="2369150" y="556428"/>
-                  </a:lnTo>
-                  <a:lnTo>
-                    <a:pt x="2343651" y="613332"/>
-                  </a:lnTo>
-                  <a:lnTo>
-                    <a:pt x="2318153" y="670236"/>
-                  </a:lnTo>
-                  <a:lnTo>
-                    <a:pt x="2292655" y="727140"/>
-                  </a:lnTo>
-                  <a:lnTo>
-                    <a:pt x="2267156" y="784044"/>
-                  </a:lnTo>
-                  <a:lnTo>
-                    <a:pt x="2241658" y="840948"/>
-                  </a:lnTo>
-                  <a:lnTo>
-                    <a:pt x="2216159" y="897852"/>
-                  </a:lnTo>
-                  <a:lnTo>
-                    <a:pt x="2190661" y="954756"/>
-                  </a:lnTo>
-                  <a:lnTo>
-                    <a:pt x="2165162" y="1011660"/>
-                  </a:lnTo>
-                  <a:lnTo>
-                    <a:pt x="2139664" y="1068564"/>
-                  </a:lnTo>
-                  <a:lnTo>
-                    <a:pt x="2114165" y="1125468"/>
-                  </a:lnTo>
-                  <a:lnTo>
-                    <a:pt x="2088667" y="1182372"/>
-                  </a:lnTo>
-                  <a:lnTo>
-                    <a:pt x="2063168" y="1239276"/>
-                  </a:lnTo>
-                  <a:lnTo>
-                    <a:pt x="2037670" y="1296180"/>
-                  </a:lnTo>
-                  <a:lnTo>
-                    <a:pt x="2012171" y="1353085"/>
-                  </a:lnTo>
-                  <a:lnTo>
-                    <a:pt x="1986673" y="1409989"/>
-                  </a:lnTo>
-                  <a:lnTo>
-                    <a:pt x="1961175" y="1466893"/>
-                  </a:lnTo>
-                  <a:lnTo>
-                    <a:pt x="1935676" y="1523797"/>
-                  </a:lnTo>
-                  <a:lnTo>
-                    <a:pt x="1910178" y="1580701"/>
-                  </a:lnTo>
-                  <a:lnTo>
-                    <a:pt x="1884679" y="1637605"/>
-                  </a:lnTo>
-                  <a:lnTo>
-                    <a:pt x="1859181" y="1694509"/>
-                  </a:lnTo>
-                  <a:lnTo>
-                    <a:pt x="1833682" y="1751413"/>
+                    <a:pt x="1808216" y="1745961"/>
+                  </a:lnTo>
+                  <a:lnTo>
+                    <a:pt x="1808216" y="1683605"/>
+                  </a:lnTo>
+                  <a:lnTo>
+                    <a:pt x="1808216" y="1621250"/>
+                  </a:lnTo>
+                  <a:lnTo>
+                    <a:pt x="1808216" y="1558894"/>
+                  </a:lnTo>
+                  <a:lnTo>
+                    <a:pt x="1808216" y="1496538"/>
+                  </a:lnTo>
+                  <a:lnTo>
+                    <a:pt x="1808216" y="1434182"/>
+                  </a:lnTo>
+                  <a:lnTo>
+                    <a:pt x="1808216" y="1371827"/>
+                  </a:lnTo>
+                  <a:lnTo>
+                    <a:pt x="1808216" y="1309471"/>
+                  </a:lnTo>
+                  <a:lnTo>
+                    <a:pt x="1808216" y="1247115"/>
+                  </a:lnTo>
+                  <a:lnTo>
+                    <a:pt x="1808216" y="1184759"/>
+                  </a:lnTo>
+                  <a:lnTo>
+                    <a:pt x="1808216" y="1122403"/>
+                  </a:lnTo>
+                  <a:lnTo>
+                    <a:pt x="1808216" y="1060048"/>
+                  </a:lnTo>
+                  <a:lnTo>
+                    <a:pt x="1808216" y="997692"/>
+                  </a:lnTo>
+                  <a:lnTo>
+                    <a:pt x="1808216" y="935336"/>
+                  </a:lnTo>
+                  <a:lnTo>
+                    <a:pt x="1808216" y="872980"/>
+                  </a:lnTo>
+                  <a:lnTo>
+                    <a:pt x="1808216" y="810625"/>
+                  </a:lnTo>
+                  <a:lnTo>
+                    <a:pt x="1808216" y="748269"/>
+                  </a:lnTo>
+                  <a:lnTo>
+                    <a:pt x="1808216" y="685913"/>
+                  </a:lnTo>
+                  <a:lnTo>
+                    <a:pt x="1808216" y="623557"/>
+                  </a:lnTo>
+                  <a:lnTo>
+                    <a:pt x="1808216" y="561201"/>
+                  </a:lnTo>
+                  <a:lnTo>
+                    <a:pt x="1808216" y="498846"/>
+                  </a:lnTo>
+                  <a:lnTo>
+                    <a:pt x="1808216" y="436490"/>
+                  </a:lnTo>
+                  <a:lnTo>
+                    <a:pt x="1808216" y="374134"/>
+                  </a:lnTo>
+                  <a:lnTo>
+                    <a:pt x="1808216" y="311778"/>
+                  </a:lnTo>
+                  <a:lnTo>
+                    <a:pt x="1808216" y="249423"/>
+                  </a:lnTo>
+                  <a:lnTo>
+                    <a:pt x="1808216" y="187067"/>
+                  </a:lnTo>
+                  <a:lnTo>
+                    <a:pt x="1808216" y="124711"/>
+                  </a:lnTo>
+                  <a:lnTo>
+                    <a:pt x="1808216" y="62355"/>
+                  </a:lnTo>
+                  <a:lnTo>
+                    <a:pt x="1808216" y="0"/>
+                  </a:lnTo>
+                  <a:lnTo>
+                    <a:pt x="1746893" y="1040"/>
+                  </a:lnTo>
+                  <a:lnTo>
+                    <a:pt x="1685641" y="4159"/>
+                  </a:lnTo>
+                  <a:lnTo>
+                    <a:pt x="1624530" y="9353"/>
+                  </a:lnTo>
+                  <a:lnTo>
+                    <a:pt x="1563630" y="16617"/>
+                  </a:lnTo>
+                  <a:lnTo>
+                    <a:pt x="1503011" y="25942"/>
+                  </a:lnTo>
+                  <a:lnTo>
+                    <a:pt x="1442743" y="37317"/>
+                  </a:lnTo>
+                  <a:lnTo>
+                    <a:pt x="1382896" y="50729"/>
+                  </a:lnTo>
+                  <a:lnTo>
+                    <a:pt x="1323538" y="66163"/>
+                  </a:lnTo>
+                  <a:lnTo>
+                    <a:pt x="1264738" y="83601"/>
+                  </a:lnTo>
+                  <a:lnTo>
+                    <a:pt x="1206563" y="103024"/>
+                  </a:lnTo>
+                  <a:lnTo>
+                    <a:pt x="1149080" y="124407"/>
+                  </a:lnTo>
+                  <a:lnTo>
+                    <a:pt x="1092355" y="147728"/>
+                  </a:lnTo>
+                  <a:lnTo>
+                    <a:pt x="1036453" y="172959"/>
+                  </a:lnTo>
+                  <a:lnTo>
+                    <a:pt x="981440" y="200072"/>
+                  </a:lnTo>
+                  <a:lnTo>
+                    <a:pt x="927377" y="229034"/>
+                  </a:lnTo>
+                  <a:lnTo>
+                    <a:pt x="874328" y="259813"/>
+                  </a:lnTo>
+                  <a:lnTo>
+                    <a:pt x="822353" y="292373"/>
+                  </a:lnTo>
+                  <a:lnTo>
+                    <a:pt x="771512" y="326677"/>
+                  </a:lnTo>
+                  <a:lnTo>
+                    <a:pt x="721864" y="362686"/>
+                  </a:lnTo>
+                  <a:lnTo>
+                    <a:pt x="673465" y="400357"/>
+                  </a:lnTo>
+                  <a:lnTo>
+                    <a:pt x="626371" y="439648"/>
+                  </a:lnTo>
+                  <a:lnTo>
+                    <a:pt x="580637" y="480513"/>
+                  </a:lnTo>
+                  <a:lnTo>
+                    <a:pt x="536316" y="522906"/>
+                  </a:lnTo>
+                  <a:lnTo>
+                    <a:pt x="493457" y="566777"/>
+                  </a:lnTo>
+                  <a:lnTo>
+                    <a:pt x="452111" y="612077"/>
+                  </a:lnTo>
+                  <a:lnTo>
+                    <a:pt x="412324" y="658753"/>
+                  </a:lnTo>
+                  <a:lnTo>
+                    <a:pt x="374144" y="706751"/>
+                  </a:lnTo>
+                  <a:lnTo>
+                    <a:pt x="337613" y="756016"/>
+                  </a:lnTo>
+                  <a:lnTo>
+                    <a:pt x="302773" y="806492"/>
+                  </a:lnTo>
+                  <a:lnTo>
+                    <a:pt x="269666" y="858120"/>
+                  </a:lnTo>
+                  <a:lnTo>
+                    <a:pt x="238328" y="910841"/>
+                  </a:lnTo>
+                  <a:lnTo>
+                    <a:pt x="208796" y="964594"/>
+                  </a:lnTo>
+                  <a:lnTo>
+                    <a:pt x="181104" y="1019319"/>
+                  </a:lnTo>
+                  <a:lnTo>
+                    <a:pt x="155284" y="1074950"/>
+                  </a:lnTo>
+                  <a:lnTo>
+                    <a:pt x="131365" y="1131425"/>
+                  </a:lnTo>
+                  <a:lnTo>
+                    <a:pt x="109375" y="1188679"/>
+                  </a:lnTo>
+                  <a:lnTo>
+                    <a:pt x="89339" y="1246646"/>
+                  </a:lnTo>
+                  <a:lnTo>
+                    <a:pt x="71281" y="1305259"/>
+                  </a:lnTo>
+                  <a:lnTo>
+                    <a:pt x="55220" y="1364450"/>
+                  </a:lnTo>
+                  <a:lnTo>
+                    <a:pt x="41176" y="1424153"/>
+                  </a:lnTo>
+                  <a:lnTo>
+                    <a:pt x="29165" y="1484297"/>
+                  </a:lnTo>
+                  <a:lnTo>
+                    <a:pt x="19200" y="1544813"/>
+                  </a:lnTo>
+                  <a:lnTo>
+                    <a:pt x="11293" y="1605633"/>
+                  </a:lnTo>
+                  <a:lnTo>
+                    <a:pt x="5453" y="1666686"/>
+                  </a:lnTo>
+                  <a:lnTo>
+                    <a:pt x="1687" y="1727902"/>
+                  </a:lnTo>
+                  <a:lnTo>
+                    <a:pt x="0" y="1789211"/>
+                  </a:lnTo>
+                  <a:lnTo>
+                    <a:pt x="392" y="1850541"/>
+                  </a:lnTo>
+                  <a:lnTo>
+                    <a:pt x="2863" y="1911823"/>
+                  </a:lnTo>
+                  <a:lnTo>
+                    <a:pt x="7412" y="1972986"/>
+                  </a:lnTo>
+                  <a:lnTo>
+                    <a:pt x="14032" y="2033959"/>
+                  </a:lnTo>
+                  <a:lnTo>
+                    <a:pt x="22715" y="2094673"/>
+                  </a:lnTo>
+                  <a:lnTo>
+                    <a:pt x="33453" y="2155057"/>
+                  </a:lnTo>
+                  <a:lnTo>
+                    <a:pt x="46232" y="2215043"/>
+                  </a:lnTo>
+                  <a:lnTo>
+                    <a:pt x="61039" y="2274560"/>
+                  </a:lnTo>
+                  <a:lnTo>
+                    <a:pt x="77854" y="2333542"/>
+                  </a:lnTo>
+                  <a:lnTo>
+                    <a:pt x="96661" y="2391919"/>
+                  </a:lnTo>
+                  <a:lnTo>
+                    <a:pt x="117436" y="2449625"/>
+                  </a:lnTo>
+                  <a:lnTo>
+                    <a:pt x="140156" y="2506593"/>
+                  </a:lnTo>
+                  <a:lnTo>
+                    <a:pt x="164795" y="2562757"/>
+                  </a:lnTo>
+                  <a:lnTo>
+                    <a:pt x="191325" y="2618055"/>
+                  </a:lnTo>
+                  <a:lnTo>
+                    <a:pt x="219714" y="2672420"/>
+                  </a:lnTo>
+                  <a:lnTo>
+                    <a:pt x="249931" y="2725792"/>
+                  </a:lnTo>
+                  <a:lnTo>
+                    <a:pt x="281940" y="2778108"/>
+                  </a:lnTo>
+                  <a:lnTo>
+                    <a:pt x="315705" y="2829308"/>
+                  </a:lnTo>
+                  <a:lnTo>
+                    <a:pt x="351187" y="2879334"/>
+                  </a:lnTo>
+                  <a:lnTo>
+                    <a:pt x="388345" y="2928129"/>
+                  </a:lnTo>
+                  <a:lnTo>
+                    <a:pt x="427136" y="2975635"/>
+                  </a:lnTo>
+                  <a:lnTo>
+                    <a:pt x="467516" y="3021798"/>
+                  </a:lnTo>
+                  <a:lnTo>
+                    <a:pt x="509438" y="3066565"/>
+                  </a:lnTo>
+                  <a:lnTo>
+                    <a:pt x="552854" y="3109885"/>
+                  </a:lnTo>
+                  <a:lnTo>
+                    <a:pt x="597714" y="3151707"/>
+                  </a:lnTo>
+                  <a:lnTo>
+                    <a:pt x="643967" y="3191985"/>
+                  </a:lnTo>
+                  <a:lnTo>
+                    <a:pt x="691559" y="3230670"/>
+                  </a:lnTo>
+                  <a:lnTo>
+                    <a:pt x="740436" y="3267720"/>
+                  </a:lnTo>
+                  <a:lnTo>
+                    <a:pt x="790540" y="3303091"/>
+                  </a:lnTo>
+                  <a:lnTo>
+                    <a:pt x="841816" y="3336742"/>
+                  </a:lnTo>
+                  <a:lnTo>
+                    <a:pt x="894203" y="3368635"/>
+                  </a:lnTo>
+                  <a:lnTo>
+                    <a:pt x="947641" y="3398733"/>
+                  </a:lnTo>
+                  <a:lnTo>
+                    <a:pt x="1002070" y="3427002"/>
+                  </a:lnTo>
+                  <a:lnTo>
+                    <a:pt x="1057426" y="3453408"/>
+                  </a:lnTo>
+                  <a:lnTo>
+                    <a:pt x="1113645" y="3477923"/>
+                  </a:lnTo>
+                  <a:lnTo>
+                    <a:pt x="1170663" y="3500516"/>
+                  </a:lnTo>
+                  <a:lnTo>
+                    <a:pt x="1228415" y="3521163"/>
+                  </a:lnTo>
+                  <a:lnTo>
+                    <a:pt x="1286834" y="3539840"/>
+                  </a:lnTo>
+                  <a:lnTo>
+                    <a:pt x="1345852" y="3556525"/>
+                  </a:lnTo>
+                  <a:lnTo>
+                    <a:pt x="1405403" y="3571199"/>
+                  </a:lnTo>
+                  <a:lnTo>
+                    <a:pt x="1465417" y="3583845"/>
+                  </a:lnTo>
+                  <a:lnTo>
+                    <a:pt x="1525825" y="3594449"/>
+                  </a:lnTo>
+                  <a:lnTo>
+                    <a:pt x="1586558" y="3602998"/>
+                  </a:lnTo>
+                  <a:lnTo>
+                    <a:pt x="1647545" y="3609482"/>
+                  </a:lnTo>
+                  <a:lnTo>
+                    <a:pt x="1708718" y="3613895"/>
+                  </a:lnTo>
+                  <a:lnTo>
+                    <a:pt x="1770005" y="3616231"/>
+                  </a:lnTo>
+                  <a:lnTo>
+                    <a:pt x="1831336" y="3616487"/>
+                  </a:lnTo>
+                  <a:lnTo>
+                    <a:pt x="1892641" y="3614663"/>
+                  </a:lnTo>
+                  <a:lnTo>
+                    <a:pt x="1953848" y="3610761"/>
+                  </a:lnTo>
+                  <a:lnTo>
+                    <a:pt x="2014888" y="3604785"/>
+                  </a:lnTo>
+                  <a:lnTo>
+                    <a:pt x="2075690" y="3596743"/>
+                  </a:lnTo>
+                  <a:lnTo>
+                    <a:pt x="2136185" y="3586644"/>
+                  </a:lnTo>
+                  <a:lnTo>
+                    <a:pt x="2196302" y="3574500"/>
+                  </a:lnTo>
+                  <a:lnTo>
+                    <a:pt x="2255973" y="3560323"/>
+                  </a:lnTo>
+                  <a:lnTo>
+                    <a:pt x="2315129" y="3544131"/>
+                  </a:lnTo>
+                  <a:lnTo>
+                    <a:pt x="2373701" y="3525943"/>
+                  </a:lnTo>
+                  <a:lnTo>
+                    <a:pt x="2431623" y="3505778"/>
+                  </a:lnTo>
+                  <a:lnTo>
+                    <a:pt x="2488828" y="3483661"/>
+                  </a:lnTo>
+                  <a:lnTo>
+                    <a:pt x="2545250" y="3459617"/>
+                  </a:lnTo>
+                  <a:lnTo>
+                    <a:pt x="2600825" y="3433673"/>
+                  </a:lnTo>
+                  <a:lnTo>
+                    <a:pt x="2655487" y="3405860"/>
+                  </a:lnTo>
+                  <a:lnTo>
+                    <a:pt x="2709175" y="3376209"/>
+                  </a:lnTo>
+                  <a:lnTo>
+                    <a:pt x="2761826" y="3344754"/>
+                  </a:lnTo>
+                  <a:lnTo>
+                    <a:pt x="2813381" y="3311532"/>
+                  </a:lnTo>
+                  <a:lnTo>
+                    <a:pt x="2863779" y="3276581"/>
+                  </a:lnTo>
+                  <a:lnTo>
+                    <a:pt x="2912963" y="3239941"/>
+                  </a:lnTo>
+                  <a:lnTo>
+                    <a:pt x="2960876" y="3201653"/>
+                  </a:lnTo>
+                  <a:lnTo>
+                    <a:pt x="3007463" y="3161764"/>
+                  </a:lnTo>
+                  <a:lnTo>
+                    <a:pt x="3052671" y="3120317"/>
+                  </a:lnTo>
+                  <a:lnTo>
+                    <a:pt x="3096447" y="3077361"/>
+                  </a:lnTo>
+                  <a:lnTo>
+                    <a:pt x="3138742" y="3032945"/>
+                  </a:lnTo>
+                  <a:lnTo>
+                    <a:pt x="3179505" y="2987120"/>
+                  </a:lnTo>
+                  <a:lnTo>
+                    <a:pt x="3218692" y="2939940"/>
+                  </a:lnTo>
+                  <a:lnTo>
+                    <a:pt x="3256255" y="2891458"/>
+                  </a:lnTo>
+                  <a:lnTo>
+                    <a:pt x="3292154" y="2841729"/>
+                  </a:lnTo>
+                  <a:lnTo>
+                    <a:pt x="3326345" y="2790812"/>
+                  </a:lnTo>
+                  <a:lnTo>
+                    <a:pt x="3358789" y="2738765"/>
+                  </a:lnTo>
+                  <a:lnTo>
+                    <a:pt x="3389451" y="2685648"/>
+                  </a:lnTo>
+                  <a:lnTo>
+                    <a:pt x="3418293" y="2631521"/>
+                  </a:lnTo>
+                  <a:lnTo>
+                    <a:pt x="3445283" y="2576447"/>
+                  </a:lnTo>
+                  <a:lnTo>
+                    <a:pt x="3470390" y="2520490"/>
+                  </a:lnTo>
+                  <a:lnTo>
+                    <a:pt x="3493585" y="2463713"/>
+                  </a:lnTo>
+                  <a:lnTo>
+                    <a:pt x="3514841" y="2406183"/>
+                  </a:lnTo>
+                  <a:lnTo>
+                    <a:pt x="3534134" y="2347965"/>
+                  </a:lnTo>
+                  <a:lnTo>
+                    <a:pt x="3551441" y="2289126"/>
+                  </a:lnTo>
+                  <a:lnTo>
+                    <a:pt x="3566744" y="2229734"/>
+                  </a:lnTo>
+                  <a:lnTo>
+                    <a:pt x="3580023" y="2169857"/>
+                  </a:lnTo>
+                  <a:lnTo>
+                    <a:pt x="3591264" y="2109565"/>
+                  </a:lnTo>
+                  <a:lnTo>
+                    <a:pt x="3600455" y="2048925"/>
+                  </a:lnTo>
+                  <a:lnTo>
+                    <a:pt x="3607583" y="1988009"/>
+                  </a:lnTo>
+                  <a:lnTo>
+                    <a:pt x="3612642" y="1926887"/>
+                  </a:lnTo>
+                  <a:lnTo>
+                    <a:pt x="3615625" y="1865628"/>
+                  </a:lnTo>
+                  <a:lnTo>
+                    <a:pt x="3616529" y="1804303"/>
+                  </a:lnTo>
+                  <a:lnTo>
+                    <a:pt x="3615353" y="1742982"/>
+                  </a:lnTo>
+                  <a:lnTo>
+                    <a:pt x="3612098" y="1681737"/>
+                  </a:lnTo>
+                  <a:lnTo>
+                    <a:pt x="3606768" y="1620637"/>
+                  </a:lnTo>
+                  <a:lnTo>
+                    <a:pt x="3599369" y="1559754"/>
+                  </a:lnTo>
+                  <a:lnTo>
+                    <a:pt x="3589909" y="1499156"/>
+                  </a:lnTo>
+                  <a:lnTo>
+                    <a:pt x="3578401" y="1438914"/>
+                  </a:lnTo>
+                  <a:lnTo>
+                    <a:pt x="3564855" y="1379096"/>
+                  </a:lnTo>
+                  <a:lnTo>
+                    <a:pt x="3549289" y="1319773"/>
+                  </a:lnTo>
+                  <a:lnTo>
+                    <a:pt x="3531721" y="1261012"/>
+                  </a:lnTo>
+                  <a:lnTo>
+                    <a:pt x="3512170" y="1202880"/>
+                  </a:lnTo>
+                  <a:lnTo>
+                    <a:pt x="3490658" y="1145444"/>
+                  </a:lnTo>
+                  <a:lnTo>
+                    <a:pt x="3467211" y="1088771"/>
+                  </a:lnTo>
+                  <a:lnTo>
+                    <a:pt x="3441856" y="1032926"/>
+                  </a:lnTo>
+                  <a:lnTo>
+                    <a:pt x="3414622" y="977973"/>
+                  </a:lnTo>
+                  <a:lnTo>
+                    <a:pt x="3385540" y="923974"/>
+                  </a:lnTo>
+                  <a:lnTo>
+                    <a:pt x="3354643" y="870994"/>
+                  </a:lnTo>
+                  <a:lnTo>
+                    <a:pt x="3321968" y="819091"/>
+                  </a:lnTo>
+                  <a:lnTo>
+                    <a:pt x="3287551" y="768326"/>
+                  </a:lnTo>
+                  <a:lnTo>
+                    <a:pt x="3251432" y="718758"/>
+                  </a:lnTo>
+                  <a:lnTo>
+                    <a:pt x="3213654" y="670443"/>
+                  </a:lnTo>
+                  <a:lnTo>
+                    <a:pt x="3174258" y="623437"/>
+                  </a:lnTo>
+                  <a:lnTo>
+                    <a:pt x="3133291" y="577794"/>
+                  </a:lnTo>
+                  <a:lnTo>
+                    <a:pt x="3090800" y="533566"/>
+                  </a:lnTo>
+                  <a:lnTo>
+                    <a:pt x="3046834" y="490805"/>
+                  </a:lnTo>
+                  <a:lnTo>
+                    <a:pt x="3001442" y="449559"/>
+                  </a:lnTo>
+                  <a:lnTo>
+                    <a:pt x="2954679" y="409877"/>
+                  </a:lnTo>
+                  <a:lnTo>
+                    <a:pt x="2906596" y="371803"/>
+                  </a:lnTo>
+                  <a:lnTo>
+                    <a:pt x="2857250" y="335381"/>
+                  </a:lnTo>
+                  <a:lnTo>
+                    <a:pt x="2806697" y="300654"/>
+                  </a:lnTo>
+                  <a:lnTo>
+                    <a:pt x="2754995" y="267661"/>
+                  </a:lnTo>
+                  <a:lnTo>
+                    <a:pt x="2702205" y="236440"/>
+                  </a:lnTo>
+                  <a:lnTo>
+                    <a:pt x="2648386" y="207028"/>
+                  </a:lnTo>
+                  <a:lnTo>
+                    <a:pt x="2593600" y="179457"/>
+                  </a:lnTo>
+                  <a:lnTo>
+                    <a:pt x="2537912" y="153761"/>
+                  </a:lnTo>
+                  <a:lnTo>
+                    <a:pt x="2512750" y="210814"/>
+                  </a:lnTo>
+                  <a:lnTo>
+                    <a:pt x="2487588" y="267868"/>
+                  </a:lnTo>
+                  <a:lnTo>
+                    <a:pt x="2462426" y="324922"/>
+                  </a:lnTo>
+                  <a:lnTo>
+                    <a:pt x="2437264" y="381975"/>
+                  </a:lnTo>
+                  <a:lnTo>
+                    <a:pt x="2412102" y="439029"/>
+                  </a:lnTo>
+                  <a:lnTo>
+                    <a:pt x="2386940" y="496083"/>
+                  </a:lnTo>
+                  <a:lnTo>
+                    <a:pt x="2361778" y="553136"/>
+                  </a:lnTo>
+                  <a:lnTo>
+                    <a:pt x="2336616" y="610190"/>
+                  </a:lnTo>
+                  <a:lnTo>
+                    <a:pt x="2311454" y="667244"/>
+                  </a:lnTo>
+                  <a:lnTo>
+                    <a:pt x="2286292" y="724297"/>
+                  </a:lnTo>
+                  <a:lnTo>
+                    <a:pt x="2261130" y="781351"/>
+                  </a:lnTo>
+                  <a:lnTo>
+                    <a:pt x="2235969" y="838405"/>
+                  </a:lnTo>
+                  <a:lnTo>
+                    <a:pt x="2210807" y="895458"/>
+                  </a:lnTo>
+                  <a:lnTo>
+                    <a:pt x="2185645" y="952512"/>
+                  </a:lnTo>
+                  <a:lnTo>
+                    <a:pt x="2160483" y="1009566"/>
+                  </a:lnTo>
+                  <a:lnTo>
+                    <a:pt x="2135321" y="1066619"/>
+                  </a:lnTo>
+                  <a:lnTo>
+                    <a:pt x="2110159" y="1123673"/>
+                  </a:lnTo>
+                  <a:lnTo>
+                    <a:pt x="2084997" y="1180727"/>
+                  </a:lnTo>
+                  <a:lnTo>
+                    <a:pt x="2059835" y="1237780"/>
+                  </a:lnTo>
+                  <a:lnTo>
+                    <a:pt x="2034673" y="1294834"/>
+                  </a:lnTo>
+                  <a:lnTo>
+                    <a:pt x="2009511" y="1351888"/>
+                  </a:lnTo>
+                  <a:lnTo>
+                    <a:pt x="1984349" y="1408941"/>
+                  </a:lnTo>
+                  <a:lnTo>
+                    <a:pt x="1959187" y="1465995"/>
+                  </a:lnTo>
+                  <a:lnTo>
+                    <a:pt x="1934026" y="1523049"/>
+                  </a:lnTo>
+                  <a:lnTo>
+                    <a:pt x="1908864" y="1580102"/>
+                  </a:lnTo>
+                  <a:lnTo>
+                    <a:pt x="1883702" y="1637156"/>
+                  </a:lnTo>
+                  <a:lnTo>
+                    <a:pt x="1858540" y="1694210"/>
+                  </a:lnTo>
+                  <a:lnTo>
+                    <a:pt x="1833378" y="1751263"/>
                   </a:lnTo>
                   <a:close/>
                 </a:path>
@@ -4140,7 +4140,7 @@
           </p:nvSpPr>
           <p:spPr>
             <a:xfrm>
-              <a:off x="5059445" y="2835982"/>
+              <a:off x="5056833" y="2835427"/>
               <a:ext cx="329449" cy="109040"/>
             </a:xfrm>
             <a:prstGeom prst="rect">
@@ -4173,7 +4173,7 @@
                   <a:latin typeface="Arial"/>
                   <a:cs typeface="Arial"/>
                 </a:rPr>
-                <a:t>6.7%</a:t>
+                <a:t>6.6%</a:t>
               </a:r>
             </a:p>
           </p:txBody>
@@ -4186,7 +4186,7 @@
           </p:nvSpPr>
           <p:spPr>
             <a:xfrm>
-              <a:off x="4641168" y="4604333"/>
+              <a:off x="4643780" y="4604887"/>
               <a:ext cx="409835" cy="109040"/>
             </a:xfrm>
             <a:prstGeom prst="rect">
@@ -4219,7 +4219,7 @@
                   <a:latin typeface="Arial"/>
                   <a:cs typeface="Arial"/>
                 </a:rPr>
-                <a:t>93.3%</a:t>
+                <a:t>93.4%</a:t>
               </a:r>
             </a:p>
           </p:txBody>
@@ -4232,7 +4232,7 @@
           </p:nvSpPr>
           <p:spPr>
             <a:xfrm>
-              <a:off x="5057202" y="2832625"/>
+              <a:off x="5054590" y="2832071"/>
               <a:ext cx="329449" cy="109040"/>
             </a:xfrm>
             <a:prstGeom prst="rect">
@@ -4265,7 +4265,7 @@
                   <a:latin typeface="Arial"/>
                   <a:cs typeface="Arial"/>
                 </a:rPr>
-                <a:t>6.7%</a:t>
+                <a:t>6.6%</a:t>
               </a:r>
             </a:p>
           </p:txBody>
@@ -4278,7 +4278,7 @@
           </p:nvSpPr>
           <p:spPr>
             <a:xfrm>
-              <a:off x="4638925" y="4600976"/>
+              <a:off x="4641537" y="4601530"/>
               <a:ext cx="409835" cy="109040"/>
             </a:xfrm>
             <a:prstGeom prst="rect">
@@ -4311,7 +4311,7 @@
                   <a:latin typeface="Arial"/>
                   <a:cs typeface="Arial"/>
                 </a:rPr>
-                <a:t>93.3%</a:t>
+                <a:t>93.4%</a:t>
               </a:r>
             </a:p>
           </p:txBody>
@@ -4324,7 +4324,7 @@
           </p:nvSpPr>
           <p:spPr>
             <a:xfrm>
-              <a:off x="5053846" y="2830382"/>
+              <a:off x="5051234" y="2829828"/>
               <a:ext cx="329449" cy="109040"/>
             </a:xfrm>
             <a:prstGeom prst="rect">
@@ -4357,7 +4357,7 @@
                   <a:latin typeface="Arial"/>
                   <a:cs typeface="Arial"/>
                 </a:rPr>
-                <a:t>6.7%</a:t>
+                <a:t>6.6%</a:t>
               </a:r>
             </a:p>
           </p:txBody>
@@ -4370,7 +4370,7 @@
           </p:nvSpPr>
           <p:spPr>
             <a:xfrm>
-              <a:off x="4635569" y="4598733"/>
+              <a:off x="4638181" y="4599288"/>
               <a:ext cx="409835" cy="109040"/>
             </a:xfrm>
             <a:prstGeom prst="rect">
@@ -4403,7 +4403,7 @@
                   <a:latin typeface="Arial"/>
                   <a:cs typeface="Arial"/>
                 </a:rPr>
-                <a:t>93.3%</a:t>
+                <a:t>93.4%</a:t>
               </a:r>
             </a:p>
           </p:txBody>
@@ -4416,7 +4416,7 @@
           </p:nvSpPr>
           <p:spPr>
             <a:xfrm>
-              <a:off x="5049886" y="2829595"/>
+              <a:off x="5047274" y="2829040"/>
               <a:ext cx="329449" cy="109040"/>
             </a:xfrm>
             <a:prstGeom prst="rect">
@@ -4449,7 +4449,7 @@
                   <a:latin typeface="Arial"/>
                   <a:cs typeface="Arial"/>
                 </a:rPr>
-                <a:t>6.7%</a:t>
+                <a:t>6.6%</a:t>
               </a:r>
             </a:p>
           </p:txBody>
@@ -4462,7 +4462,7 @@
           </p:nvSpPr>
           <p:spPr>
             <a:xfrm>
-              <a:off x="4631609" y="4597946"/>
+              <a:off x="4634221" y="4598500"/>
               <a:ext cx="409835" cy="109040"/>
             </a:xfrm>
             <a:prstGeom prst="rect">
@@ -4495,7 +4495,7 @@
                   <a:latin typeface="Arial"/>
                   <a:cs typeface="Arial"/>
                 </a:rPr>
-                <a:t>93.3%</a:t>
+                <a:t>93.4%</a:t>
               </a:r>
             </a:p>
           </p:txBody>
@@ -4508,7 +4508,7 @@
           </p:nvSpPr>
           <p:spPr>
             <a:xfrm>
-              <a:off x="5045927" y="2830382"/>
+              <a:off x="5043315" y="2829828"/>
               <a:ext cx="329449" cy="109040"/>
             </a:xfrm>
             <a:prstGeom prst="rect">
@@ -4541,7 +4541,7 @@
                   <a:latin typeface="Arial"/>
                   <a:cs typeface="Arial"/>
                 </a:rPr>
-                <a:t>6.7%</a:t>
+                <a:t>6.6%</a:t>
               </a:r>
             </a:p>
           </p:txBody>
@@ -4554,7 +4554,7 @@
           </p:nvSpPr>
           <p:spPr>
             <a:xfrm>
-              <a:off x="4627650" y="4598733"/>
+              <a:off x="4630262" y="4599288"/>
               <a:ext cx="409835" cy="109040"/>
             </a:xfrm>
             <a:prstGeom prst="rect">
@@ -4587,7 +4587,7 @@
                   <a:latin typeface="Arial"/>
                   <a:cs typeface="Arial"/>
                 </a:rPr>
-                <a:t>93.3%</a:t>
+                <a:t>93.4%</a:t>
               </a:r>
             </a:p>
           </p:txBody>
@@ -4600,7 +4600,7 @@
           </p:nvSpPr>
           <p:spPr>
             <a:xfrm>
-              <a:off x="5042570" y="2832625"/>
+              <a:off x="5039958" y="2832071"/>
               <a:ext cx="329449" cy="109040"/>
             </a:xfrm>
             <a:prstGeom prst="rect">
@@ -4633,7 +4633,7 @@
                   <a:latin typeface="Arial"/>
                   <a:cs typeface="Arial"/>
                 </a:rPr>
-                <a:t>6.7%</a:t>
+                <a:t>6.6%</a:t>
               </a:r>
             </a:p>
           </p:txBody>
@@ -4646,7 +4646,7 @@
           </p:nvSpPr>
           <p:spPr>
             <a:xfrm>
-              <a:off x="4624293" y="4600976"/>
+              <a:off x="4626905" y="4601530"/>
               <a:ext cx="409835" cy="109040"/>
             </a:xfrm>
             <a:prstGeom prst="rect">
@@ -4679,7 +4679,7 @@
                   <a:latin typeface="Arial"/>
                   <a:cs typeface="Arial"/>
                 </a:rPr>
-                <a:t>93.3%</a:t>
+                <a:t>93.4%</a:t>
               </a:r>
             </a:p>
           </p:txBody>
@@ -4692,7 +4692,7 @@
           </p:nvSpPr>
           <p:spPr>
             <a:xfrm>
-              <a:off x="5040327" y="2835982"/>
+              <a:off x="5037715" y="2835427"/>
               <a:ext cx="329449" cy="109040"/>
             </a:xfrm>
             <a:prstGeom prst="rect">
@@ -4725,7 +4725,7 @@
                   <a:latin typeface="Arial"/>
                   <a:cs typeface="Arial"/>
                 </a:rPr>
-                <a:t>6.7%</a:t>
+                <a:t>6.6%</a:t>
               </a:r>
             </a:p>
           </p:txBody>
@@ -4738,7 +4738,7 @@
           </p:nvSpPr>
           <p:spPr>
             <a:xfrm>
-              <a:off x="4622050" y="4604333"/>
+              <a:off x="4624662" y="4604887"/>
               <a:ext cx="409835" cy="109040"/>
             </a:xfrm>
             <a:prstGeom prst="rect">
@@ -4771,7 +4771,7 @@
                   <a:latin typeface="Arial"/>
                   <a:cs typeface="Arial"/>
                 </a:rPr>
-                <a:t>93.3%</a:t>
+                <a:t>93.4%</a:t>
               </a:r>
             </a:p>
           </p:txBody>
@@ -4784,7 +4784,7 @@
           </p:nvSpPr>
           <p:spPr>
             <a:xfrm>
-              <a:off x="5039540" y="2839941"/>
+              <a:off x="5036928" y="2839387"/>
               <a:ext cx="329449" cy="109040"/>
             </a:xfrm>
             <a:prstGeom prst="rect">
@@ -4817,7 +4817,7 @@
                   <a:latin typeface="Arial"/>
                   <a:cs typeface="Arial"/>
                 </a:rPr>
-                <a:t>6.7%</a:t>
+                <a:t>6.6%</a:t>
               </a:r>
             </a:p>
           </p:txBody>
@@ -4830,7 +4830,7 @@
           </p:nvSpPr>
           <p:spPr>
             <a:xfrm>
-              <a:off x="4621263" y="4608292"/>
+              <a:off x="4623875" y="4608846"/>
               <a:ext cx="409835" cy="109040"/>
             </a:xfrm>
             <a:prstGeom prst="rect">
@@ -4863,7 +4863,7 @@
                   <a:latin typeface="Arial"/>
                   <a:cs typeface="Arial"/>
                 </a:rPr>
-                <a:t>93.3%</a:t>
+                <a:t>93.4%</a:t>
               </a:r>
             </a:p>
           </p:txBody>
@@ -4876,7 +4876,7 @@
           </p:nvSpPr>
           <p:spPr>
             <a:xfrm>
-              <a:off x="5040327" y="2843901"/>
+              <a:off x="5037715" y="2843346"/>
               <a:ext cx="329449" cy="109040"/>
             </a:xfrm>
             <a:prstGeom prst="rect">
@@ -4909,7 +4909,7 @@
                   <a:latin typeface="Arial"/>
                   <a:cs typeface="Arial"/>
                 </a:rPr>
-                <a:t>6.7%</a:t>
+                <a:t>6.6%</a:t>
               </a:r>
             </a:p>
           </p:txBody>
@@ -4922,7 +4922,7 @@
           </p:nvSpPr>
           <p:spPr>
             <a:xfrm>
-              <a:off x="4622050" y="4612251"/>
+              <a:off x="4624662" y="4612806"/>
               <a:ext cx="409835" cy="109040"/>
             </a:xfrm>
             <a:prstGeom prst="rect">
@@ -4955,7 +4955,7 @@
                   <a:latin typeface="Arial"/>
                   <a:cs typeface="Arial"/>
                 </a:rPr>
-                <a:t>93.3%</a:t>
+                <a:t>93.4%</a:t>
               </a:r>
             </a:p>
           </p:txBody>
@@ -4968,7 +4968,7 @@
           </p:nvSpPr>
           <p:spPr>
             <a:xfrm>
-              <a:off x="5042570" y="2847257"/>
+              <a:off x="5039958" y="2846703"/>
               <a:ext cx="329449" cy="109040"/>
             </a:xfrm>
             <a:prstGeom prst="rect">
@@ -5001,7 +5001,7 @@
                   <a:latin typeface="Arial"/>
                   <a:cs typeface="Arial"/>
                 </a:rPr>
-                <a:t>6.7%</a:t>
+                <a:t>6.6%</a:t>
               </a:r>
             </a:p>
           </p:txBody>
@@ -5014,7 +5014,7 @@
           </p:nvSpPr>
           <p:spPr>
             <a:xfrm>
-              <a:off x="4624293" y="4615608"/>
+              <a:off x="4626905" y="4616163"/>
               <a:ext cx="409835" cy="109040"/>
             </a:xfrm>
             <a:prstGeom prst="rect">
@@ -5047,7 +5047,7 @@
                   <a:latin typeface="Arial"/>
                   <a:cs typeface="Arial"/>
                 </a:rPr>
-                <a:t>93.3%</a:t>
+                <a:t>93.4%</a:t>
               </a:r>
             </a:p>
           </p:txBody>
@@ -5060,7 +5060,7 @@
           </p:nvSpPr>
           <p:spPr>
             <a:xfrm>
-              <a:off x="5045927" y="2849500"/>
+              <a:off x="5043315" y="2848946"/>
               <a:ext cx="329449" cy="109040"/>
             </a:xfrm>
             <a:prstGeom prst="rect">
@@ -5093,7 +5093,7 @@
                   <a:latin typeface="Arial"/>
                   <a:cs typeface="Arial"/>
                 </a:rPr>
-                <a:t>6.7%</a:t>
+                <a:t>6.6%</a:t>
               </a:r>
             </a:p>
           </p:txBody>
@@ -5106,7 +5106,7 @@
           </p:nvSpPr>
           <p:spPr>
             <a:xfrm>
-              <a:off x="4627650" y="4617851"/>
+              <a:off x="4630262" y="4618405"/>
               <a:ext cx="409835" cy="109040"/>
             </a:xfrm>
             <a:prstGeom prst="rect">
@@ -5139,7 +5139,7 @@
                   <a:latin typeface="Arial"/>
                   <a:cs typeface="Arial"/>
                 </a:rPr>
-                <a:t>93.3%</a:t>
+                <a:t>93.4%</a:t>
               </a:r>
             </a:p>
           </p:txBody>
@@ -5152,7 +5152,7 @@
           </p:nvSpPr>
           <p:spPr>
             <a:xfrm>
-              <a:off x="5049886" y="2850288"/>
+              <a:off x="5047274" y="2849733"/>
               <a:ext cx="329449" cy="109040"/>
             </a:xfrm>
             <a:prstGeom prst="rect">
@@ -5185,7 +5185,7 @@
                   <a:latin typeface="Arial"/>
                   <a:cs typeface="Arial"/>
                 </a:rPr>
-                <a:t>6.7%</a:t>
+                <a:t>6.6%</a:t>
               </a:r>
             </a:p>
           </p:txBody>
@@ -5198,7 +5198,7 @@
           </p:nvSpPr>
           <p:spPr>
             <a:xfrm>
-              <a:off x="4631609" y="4618639"/>
+              <a:off x="4634221" y="4619193"/>
               <a:ext cx="409835" cy="109040"/>
             </a:xfrm>
             <a:prstGeom prst="rect">
@@ -5231,7 +5231,7 @@
                   <a:latin typeface="Arial"/>
                   <a:cs typeface="Arial"/>
                 </a:rPr>
-                <a:t>93.3%</a:t>
+                <a:t>93.4%</a:t>
               </a:r>
             </a:p>
           </p:txBody>
@@ -5244,7 +5244,7 @@
           </p:nvSpPr>
           <p:spPr>
             <a:xfrm>
-              <a:off x="5053846" y="2849500"/>
+              <a:off x="5051234" y="2848946"/>
               <a:ext cx="329449" cy="109040"/>
             </a:xfrm>
             <a:prstGeom prst="rect">
@@ -5277,7 +5277,7 @@
                   <a:latin typeface="Arial"/>
                   <a:cs typeface="Arial"/>
                 </a:rPr>
-                <a:t>6.7%</a:t>
+                <a:t>6.6%</a:t>
               </a:r>
             </a:p>
           </p:txBody>
@@ -5290,7 +5290,7 @@
           </p:nvSpPr>
           <p:spPr>
             <a:xfrm>
-              <a:off x="4635569" y="4617851"/>
+              <a:off x="4638181" y="4618405"/>
               <a:ext cx="409835" cy="109040"/>
             </a:xfrm>
             <a:prstGeom prst="rect">
@@ -5323,7 +5323,7 @@
                   <a:latin typeface="Arial"/>
                   <a:cs typeface="Arial"/>
                 </a:rPr>
-                <a:t>93.3%</a:t>
+                <a:t>93.4%</a:t>
               </a:r>
             </a:p>
           </p:txBody>
@@ -5336,7 +5336,7 @@
           </p:nvSpPr>
           <p:spPr>
             <a:xfrm>
-              <a:off x="5057202" y="2847257"/>
+              <a:off x="5054590" y="2846703"/>
               <a:ext cx="329449" cy="109040"/>
             </a:xfrm>
             <a:prstGeom prst="rect">
@@ -5369,7 +5369,7 @@
                   <a:latin typeface="Arial"/>
                   <a:cs typeface="Arial"/>
                 </a:rPr>
-                <a:t>6.7%</a:t>
+                <a:t>6.6%</a:t>
               </a:r>
             </a:p>
           </p:txBody>
@@ -5382,7 +5382,7 @@
           </p:nvSpPr>
           <p:spPr>
             <a:xfrm>
-              <a:off x="4638925" y="4615608"/>
+              <a:off x="4641537" y="4616163"/>
               <a:ext cx="409835" cy="109040"/>
             </a:xfrm>
             <a:prstGeom prst="rect">
@@ -5415,7 +5415,7 @@
                   <a:latin typeface="Arial"/>
                   <a:cs typeface="Arial"/>
                 </a:rPr>
-                <a:t>93.3%</a:t>
+                <a:t>93.4%</a:t>
               </a:r>
             </a:p>
           </p:txBody>
@@ -5428,7 +5428,7 @@
           </p:nvSpPr>
           <p:spPr>
             <a:xfrm>
-              <a:off x="5059445" y="2843901"/>
+              <a:off x="5056833" y="2843346"/>
               <a:ext cx="329449" cy="109040"/>
             </a:xfrm>
             <a:prstGeom prst="rect">
@@ -5461,7 +5461,7 @@
                   <a:latin typeface="Arial"/>
                   <a:cs typeface="Arial"/>
                 </a:rPr>
-                <a:t>6.7%</a:t>
+                <a:t>6.6%</a:t>
               </a:r>
             </a:p>
           </p:txBody>
@@ -5474,7 +5474,7 @@
           </p:nvSpPr>
           <p:spPr>
             <a:xfrm>
-              <a:off x="4641168" y="4612251"/>
+              <a:off x="4643780" y="4612806"/>
               <a:ext cx="409835" cy="109040"/>
             </a:xfrm>
             <a:prstGeom prst="rect">
@@ -5507,7 +5507,7 @@
                   <a:latin typeface="Arial"/>
                   <a:cs typeface="Arial"/>
                 </a:rPr>
-                <a:t>93.3%</a:t>
+                <a:t>93.4%</a:t>
               </a:r>
             </a:p>
           </p:txBody>
@@ -5520,7 +5520,7 @@
           </p:nvSpPr>
           <p:spPr>
             <a:xfrm>
-              <a:off x="5060233" y="2839941"/>
+              <a:off x="5057621" y="2839387"/>
               <a:ext cx="329449" cy="109040"/>
             </a:xfrm>
             <a:prstGeom prst="rect">
@@ -5553,7 +5553,7 @@
                   <a:latin typeface="Arial"/>
                   <a:cs typeface="Arial"/>
                 </a:rPr>
-                <a:t>6.7%</a:t>
+                <a:t>6.6%</a:t>
               </a:r>
             </a:p>
           </p:txBody>
@@ -5566,7 +5566,7 @@
           </p:nvSpPr>
           <p:spPr>
             <a:xfrm>
-              <a:off x="4641956" y="4608292"/>
+              <a:off x="4644568" y="4608846"/>
               <a:ext cx="409835" cy="109040"/>
             </a:xfrm>
             <a:prstGeom prst="rect">
@@ -5599,7 +5599,7 @@
                   <a:latin typeface="Arial"/>
                   <a:cs typeface="Arial"/>
                 </a:rPr>
-                <a:t>93.3%</a:t>
+                <a:t>93.4%</a:t>
               </a:r>
             </a:p>
           </p:txBody>
@@ -5612,7 +5612,7 @@
           </p:nvSpPr>
           <p:spPr>
             <a:xfrm>
-              <a:off x="5049886" y="2839941"/>
+              <a:off x="5047274" y="2839387"/>
               <a:ext cx="329449" cy="109040"/>
             </a:xfrm>
             <a:prstGeom prst="rect">
@@ -5645,7 +5645,7 @@
                   <a:latin typeface="Arial"/>
                   <a:cs typeface="Arial"/>
                 </a:rPr>
-                <a:t>6.7%</a:t>
+                <a:t>6.6%</a:t>
               </a:r>
             </a:p>
           </p:txBody>
@@ -5658,7 +5658,7 @@
           </p:nvSpPr>
           <p:spPr>
             <a:xfrm>
-              <a:off x="4631609" y="4608292"/>
+              <a:off x="4634221" y="4608846"/>
               <a:ext cx="409835" cy="109040"/>
             </a:xfrm>
             <a:prstGeom prst="rect">
@@ -5691,7 +5691,7 @@
                   <a:latin typeface="Arial"/>
                   <a:cs typeface="Arial"/>
                 </a:rPr>
-                <a:t>93.3%</a:t>
+                <a:t>93.4%</a:t>
               </a:r>
             </a:p>
           </p:txBody>
